--- a/DevDay-June-2014/Распределенные приложения и Azure Service Bus.pptx
+++ b/DevDay-June-2014/Распределенные приложения и Azure Service Bus.pptx
@@ -5,7 +5,7 @@
     <p:sldMasterId id="2147483648" r:id="rId1"/>
   </p:sldMasterIdLst>
   <p:notesMasterIdLst>
-    <p:notesMasterId r:id="rId28"/>
+    <p:notesMasterId r:id="rId30"/>
   </p:notesMasterIdLst>
   <p:sldIdLst>
     <p:sldId id="256" r:id="rId2"/>
@@ -29,11 +29,13 @@
     <p:sldId id="285" r:id="rId20"/>
     <p:sldId id="286" r:id="rId21"/>
     <p:sldId id="264" r:id="rId22"/>
-    <p:sldId id="288" r:id="rId23"/>
-    <p:sldId id="289" r:id="rId24"/>
-    <p:sldId id="290" r:id="rId25"/>
-    <p:sldId id="291" r:id="rId26"/>
-    <p:sldId id="292" r:id="rId27"/>
+    <p:sldId id="293" r:id="rId23"/>
+    <p:sldId id="288" r:id="rId24"/>
+    <p:sldId id="289" r:id="rId25"/>
+    <p:sldId id="290" r:id="rId26"/>
+    <p:sldId id="291" r:id="rId27"/>
+    <p:sldId id="292" r:id="rId28"/>
+    <p:sldId id="294" r:id="rId29"/>
   </p:sldIdLst>
   <p:sldSz cx="12192000" cy="6858000"/>
   <p:notesSz cx="6858000" cy="9144000"/>
@@ -1395,7 +1397,7 @@
           <a:p>
             <a:fld id="{A1B6928A-C9DC-4693-B922-3D907FDA33B1}" type="slidenum">
               <a:rPr lang="ru-RU" smtClean="0"/>
-              <a:t>22</a:t>
+              <a:t>23</a:t>
             </a:fld>
             <a:endParaRPr lang="ru-RU"/>
           </a:p>
@@ -1563,7 +1565,7 @@
           <a:p>
             <a:fld id="{A1B6928A-C9DC-4693-B922-3D907FDA33B1}" type="slidenum">
               <a:rPr lang="ru-RU" smtClean="0"/>
-              <a:t>23</a:t>
+              <a:t>24</a:t>
             </a:fld>
             <a:endParaRPr lang="ru-RU"/>
           </a:p>
@@ -1647,7 +1649,7 @@
           <a:p>
             <a:fld id="{A1B6928A-C9DC-4693-B922-3D907FDA33B1}" type="slidenum">
               <a:rPr lang="ru-RU" smtClean="0"/>
-              <a:t>24</a:t>
+              <a:t>25</a:t>
             </a:fld>
             <a:endParaRPr lang="ru-RU"/>
           </a:p>
@@ -1731,7 +1733,7 @@
           <a:p>
             <a:fld id="{A1B6928A-C9DC-4693-B922-3D907FDA33B1}" type="slidenum">
               <a:rPr lang="ru-RU" smtClean="0"/>
-              <a:t>25</a:t>
+              <a:t>26</a:t>
             </a:fld>
             <a:endParaRPr lang="ru-RU"/>
           </a:p>
@@ -1815,7 +1817,7 @@
           <a:p>
             <a:fld id="{A1B6928A-C9DC-4693-B922-3D907FDA33B1}" type="slidenum">
               <a:rPr lang="ru-RU" smtClean="0"/>
-              <a:t>26</a:t>
+              <a:t>27</a:t>
             </a:fld>
             <a:endParaRPr lang="ru-RU"/>
           </a:p>
@@ -1825,6 +1827,90 @@
     <p:extLst>
       <p:ext uri="{BB962C8B-B14F-4D97-AF65-F5344CB8AC3E}">
         <p14:creationId xmlns:p14="http://schemas.microsoft.com/office/powerpoint/2010/main" val="4019529251"/>
+      </p:ext>
+    </p:extLst>
+  </p:cSld>
+  <p:clrMapOvr>
+    <a:masterClrMapping/>
+  </p:clrMapOvr>
+</p:notes>
+</file>
+
+<file path=ppt/notesSlides/notesSlide24.xml><?xml version="1.0" encoding="utf-8"?>
+<p:notes xmlns:a="http://schemas.openxmlformats.org/drawingml/2006/main" xmlns:r="http://schemas.openxmlformats.org/officeDocument/2006/relationships" xmlns:p="http://schemas.openxmlformats.org/presentationml/2006/main">
+  <p:cSld>
+    <p:spTree>
+      <p:nvGrpSpPr>
+        <p:cNvPr id="1" name=""/>
+        <p:cNvGrpSpPr/>
+        <p:nvPr/>
+      </p:nvGrpSpPr>
+      <p:grpSpPr>
+        <a:xfrm>
+          <a:off x="0" y="0"/>
+          <a:ext cx="0" cy="0"/>
+          <a:chOff x="0" y="0"/>
+          <a:chExt cx="0" cy="0"/>
+        </a:xfrm>
+      </p:grpSpPr>
+      <p:sp>
+        <p:nvSpPr>
+          <p:cNvPr id="2" name="Slide Image Placeholder 1"/>
+          <p:cNvSpPr>
+            <a:spLocks noGrp="1" noRot="1" noChangeAspect="1"/>
+          </p:cNvSpPr>
+          <p:nvPr>
+            <p:ph type="sldImg"/>
+          </p:nvPr>
+        </p:nvSpPr>
+        <p:spPr/>
+      </p:sp>
+      <p:sp>
+        <p:nvSpPr>
+          <p:cNvPr id="3" name="Notes Placeholder 2"/>
+          <p:cNvSpPr>
+            <a:spLocks noGrp="1"/>
+          </p:cNvSpPr>
+          <p:nvPr>
+            <p:ph type="body" idx="1"/>
+          </p:nvPr>
+        </p:nvSpPr>
+        <p:spPr/>
+        <p:txBody>
+          <a:bodyPr/>
+          <a:lstStyle/>
+          <a:p>
+            <a:endParaRPr lang="ru-RU"/>
+          </a:p>
+        </p:txBody>
+      </p:sp>
+      <p:sp>
+        <p:nvSpPr>
+          <p:cNvPr id="4" name="Slide Number Placeholder 3"/>
+          <p:cNvSpPr>
+            <a:spLocks noGrp="1"/>
+          </p:cNvSpPr>
+          <p:nvPr>
+            <p:ph type="sldNum" sz="quarter" idx="10"/>
+          </p:nvPr>
+        </p:nvSpPr>
+        <p:spPr/>
+        <p:txBody>
+          <a:bodyPr/>
+          <a:lstStyle/>
+          <a:p>
+            <a:fld id="{A1B6928A-C9DC-4693-B922-3D907FDA33B1}" type="slidenum">
+              <a:rPr lang="ru-RU" smtClean="0"/>
+              <a:t>28</a:t>
+            </a:fld>
+            <a:endParaRPr lang="ru-RU"/>
+          </a:p>
+        </p:txBody>
+      </p:sp>
+    </p:spTree>
+    <p:extLst>
+      <p:ext uri="{BB962C8B-B14F-4D97-AF65-F5344CB8AC3E}">
+        <p14:creationId xmlns:p14="http://schemas.microsoft.com/office/powerpoint/2010/main" val="2970288621"/>
       </p:ext>
     </p:extLst>
   </p:cSld>
@@ -8733,6 +8819,124 @@
           <a:chExt cx="0" cy="0"/>
         </a:xfrm>
       </p:grpSpPr>
+      <p:pic>
+        <p:nvPicPr>
+          <p:cNvPr id="3" name="Picture 2" descr="http://relax.dviger.com/public/user_files/blog/users/1353/corel/cloud05.jpg"/>
+          <p:cNvPicPr>
+            <a:picLocks noChangeAspect="1" noChangeArrowheads="1"/>
+          </p:cNvPicPr>
+          <p:nvPr/>
+        </p:nvPicPr>
+        <p:blipFill rotWithShape="1">
+          <a:blip r:embed="rId2">
+            <a:extLst>
+              <a:ext uri="{28A0092B-C50C-407E-A947-70E740481C1C}">
+                <a14:useLocalDpi xmlns:a14="http://schemas.microsoft.com/office/drawing/2010/main" val="0"/>
+              </a:ext>
+            </a:extLst>
+          </a:blip>
+          <a:srcRect/>
+          <a:stretch/>
+        </p:blipFill>
+        <p:spPr bwMode="auto">
+          <a:xfrm>
+            <a:off x="-1" y="-1"/>
+            <a:ext cx="12192001" cy="6885897"/>
+          </a:xfrm>
+          <a:prstGeom prst="rect">
+            <a:avLst/>
+          </a:prstGeom>
+          <a:noFill/>
+          <a:extLst>
+            <a:ext uri="{909E8E84-426E-40DD-AFC4-6F175D3DCCD1}">
+              <a14:hiddenFill xmlns:a14="http://schemas.microsoft.com/office/drawing/2010/main">
+                <a:solidFill>
+                  <a:srgbClr val="FFFFFF"/>
+                </a:solidFill>
+              </a14:hiddenFill>
+            </a:ext>
+          </a:extLst>
+        </p:spPr>
+      </p:pic>
+      <p:sp>
+        <p:nvSpPr>
+          <p:cNvPr id="2" name="TextBox 1"/>
+          <p:cNvSpPr txBox="1"/>
+          <p:nvPr/>
+        </p:nvSpPr>
+        <p:spPr>
+          <a:xfrm>
+            <a:off x="498528" y="5935850"/>
+            <a:ext cx="11693472" cy="830997"/>
+          </a:xfrm>
+          <a:prstGeom prst="rect">
+            <a:avLst/>
+          </a:prstGeom>
+          <a:noFill/>
+        </p:spPr>
+        <p:txBody>
+          <a:bodyPr wrap="square" rtlCol="0">
+            <a:spAutoFit/>
+          </a:bodyPr>
+          <a:lstStyle/>
+          <a:p>
+            <a:r>
+              <a:rPr lang="en-US" sz="4800" b="1" dirty="0">
+                <a:solidFill>
+                  <a:schemeClr val="bg1"/>
+                </a:solidFill>
+                <a:latin typeface="Segoe UI Light" panose="020B0502040204020203" pitchFamily="34" charset="0"/>
+                <a:cs typeface="Segoe UI Light" panose="020B0502040204020203" pitchFamily="34" charset="0"/>
+              </a:rPr>
+              <a:t>http://devday-net-demo.azurewebsites.net/</a:t>
+            </a:r>
+            <a:endParaRPr lang="ru-RU" sz="4800" b="1" dirty="0">
+              <a:solidFill>
+                <a:schemeClr val="bg1"/>
+              </a:solidFill>
+              <a:latin typeface="Segoe UI Light" panose="020B0502040204020203" pitchFamily="34" charset="0"/>
+              <a:cs typeface="Segoe UI Light" panose="020B0502040204020203" pitchFamily="34" charset="0"/>
+            </a:endParaRPr>
+          </a:p>
+        </p:txBody>
+      </p:sp>
+    </p:spTree>
+    <p:extLst>
+      <p:ext uri="{BB962C8B-B14F-4D97-AF65-F5344CB8AC3E}">
+        <p14:creationId xmlns:p14="http://schemas.microsoft.com/office/powerpoint/2010/main" val="3498003890"/>
+      </p:ext>
+    </p:extLst>
+  </p:cSld>
+  <p:clrMapOvr>
+    <a:masterClrMapping/>
+  </p:clrMapOvr>
+  <p:timing>
+    <p:tnLst>
+      <p:par>
+        <p:cTn id="1" dur="indefinite" restart="never" nodeType="tmRoot"/>
+      </p:par>
+    </p:tnLst>
+  </p:timing>
+</p:sld>
+</file>
+
+<file path=ppt/slides/slide23.xml><?xml version="1.0" encoding="utf-8"?>
+<p:sld xmlns:a="http://schemas.openxmlformats.org/drawingml/2006/main" xmlns:r="http://schemas.openxmlformats.org/officeDocument/2006/relationships" xmlns:p="http://schemas.openxmlformats.org/presentationml/2006/main">
+  <p:cSld>
+    <p:spTree>
+      <p:nvGrpSpPr>
+        <p:cNvPr id="1" name=""/>
+        <p:cNvGrpSpPr/>
+        <p:nvPr/>
+      </p:nvGrpSpPr>
+      <p:grpSpPr>
+        <a:xfrm>
+          <a:off x="0" y="0"/>
+          <a:ext cx="0" cy="0"/>
+          <a:chOff x="0" y="0"/>
+          <a:chExt cx="0" cy="0"/>
+        </a:xfrm>
+      </p:grpSpPr>
       <p:sp>
         <p:nvSpPr>
           <p:cNvPr id="2" name="Title 1"/>
@@ -9024,7 +9228,7 @@
 </p:sld>
 </file>
 
-<file path=ppt/slides/slide23.xml><?xml version="1.0" encoding="utf-8"?>
+<file path=ppt/slides/slide24.xml><?xml version="1.0" encoding="utf-8"?>
 <p:sld xmlns:a="http://schemas.openxmlformats.org/drawingml/2006/main" xmlns:r="http://schemas.openxmlformats.org/officeDocument/2006/relationships" xmlns:p="http://schemas.openxmlformats.org/presentationml/2006/main">
   <p:cSld>
     <p:spTree>
@@ -9335,7 +9539,7 @@
 </p:sld>
 </file>
 
-<file path=ppt/slides/slide24.xml><?xml version="1.0" encoding="utf-8"?>
+<file path=ppt/slides/slide25.xml><?xml version="1.0" encoding="utf-8"?>
 <p:sld xmlns:a="http://schemas.openxmlformats.org/drawingml/2006/main" xmlns:r="http://schemas.openxmlformats.org/officeDocument/2006/relationships" xmlns:p="http://schemas.openxmlformats.org/presentationml/2006/main">
   <p:cSld>
     <p:spTree>
@@ -9549,7 +9753,7 @@
 </p:sld>
 </file>
 
-<file path=ppt/slides/slide25.xml><?xml version="1.0" encoding="utf-8"?>
+<file path=ppt/slides/slide26.xml><?xml version="1.0" encoding="utf-8"?>
 <p:sld xmlns:a="http://schemas.openxmlformats.org/drawingml/2006/main" xmlns:r="http://schemas.openxmlformats.org/officeDocument/2006/relationships" xmlns:p="http://schemas.openxmlformats.org/presentationml/2006/main">
   <p:cSld>
     <p:spTree>
@@ -9768,7 +9972,7 @@
 </p:sld>
 </file>
 
-<file path=ppt/slides/slide26.xml><?xml version="1.0" encoding="utf-8"?>
+<file path=ppt/slides/slide27.xml><?xml version="1.0" encoding="utf-8"?>
 <p:sld xmlns:a="http://schemas.openxmlformats.org/drawingml/2006/main" xmlns:r="http://schemas.openxmlformats.org/officeDocument/2006/relationships" xmlns:p="http://schemas.openxmlformats.org/presentationml/2006/main">
   <p:cSld>
     <p:spTree>
@@ -9862,8 +10066,8 @@
         </p:nvSpPr>
         <p:spPr>
           <a:xfrm>
-            <a:off x="4368492" y="3002684"/>
-            <a:ext cx="5286233" cy="1283861"/>
+            <a:off x="3702065" y="2940691"/>
+            <a:ext cx="7046010" cy="1283861"/>
           </a:xfrm>
           <a:prstGeom prst="rect">
             <a:avLst/>
@@ -10058,18 +10262,352 @@
               <a:buNone/>
             </a:pPr>
             <a:r>
+              <a:rPr lang="en-US" sz="3200" dirty="0" smtClean="0">
+                <a:latin typeface="Segoe UI Light" panose="020B0502040204020203" pitchFamily="34" charset="0"/>
+                <a:cs typeface="Segoe UI Light" panose="020B0502040204020203" pitchFamily="34" charset="0"/>
+              </a:rPr>
+              <a:t>@</a:t>
+            </a:r>
+            <a:r>
+              <a:rPr lang="en-US" sz="3200" dirty="0" err="1" smtClean="0">
+                <a:latin typeface="Segoe UI Light" panose="020B0502040204020203" pitchFamily="34" charset="0"/>
+                <a:cs typeface="Segoe UI Light" panose="020B0502040204020203" pitchFamily="34" charset="0"/>
+              </a:rPr>
+              <a:t>denisivanov</a:t>
+            </a:r>
+            <a:r>
+              <a:rPr lang="ru-RU" sz="3200" dirty="0" smtClean="0">
+                <a:latin typeface="Segoe UI Light" panose="020B0502040204020203" pitchFamily="34" charset="0"/>
+                <a:cs typeface="Segoe UI Light" panose="020B0502040204020203" pitchFamily="34" charset="0"/>
+              </a:rPr>
+              <a:t/>
+            </a:r>
+            <a:br>
+              <a:rPr lang="ru-RU" sz="3200" dirty="0" smtClean="0">
+                <a:latin typeface="Segoe UI Light" panose="020B0502040204020203" pitchFamily="34" charset="0"/>
+                <a:cs typeface="Segoe UI Light" panose="020B0502040204020203" pitchFamily="34" charset="0"/>
+              </a:rPr>
+            </a:br>
+            <a:r>
+              <a:rPr lang="en-US" sz="3200" dirty="0">
+                <a:latin typeface="Segoe UI Light" panose="020B0502040204020203" pitchFamily="34" charset="0"/>
+                <a:cs typeface="Segoe UI Light" panose="020B0502040204020203" pitchFamily="34" charset="0"/>
+              </a:rPr>
+              <a:t>https://github.com/denisivan0v</a:t>
+            </a:r>
+            <a:endParaRPr lang="en-US" sz="3200" dirty="0" smtClean="0">
+              <a:latin typeface="Segoe UI Light" panose="020B0502040204020203" pitchFamily="34" charset="0"/>
+              <a:cs typeface="Segoe UI Light" panose="020B0502040204020203" pitchFamily="34" charset="0"/>
+            </a:endParaRPr>
+          </a:p>
+        </p:txBody>
+      </p:sp>
+    </p:spTree>
+    <p:extLst>
+      <p:ext uri="{BB962C8B-B14F-4D97-AF65-F5344CB8AC3E}">
+        <p14:creationId xmlns:p14="http://schemas.microsoft.com/office/powerpoint/2010/main" val="674515748"/>
+      </p:ext>
+    </p:extLst>
+  </p:cSld>
+  <p:clrMapOvr>
+    <a:masterClrMapping/>
+  </p:clrMapOvr>
+  <p:timing>
+    <p:tnLst>
+      <p:par>
+        <p:cTn id="1" dur="indefinite" restart="never" nodeType="tmRoot"/>
+      </p:par>
+    </p:tnLst>
+  </p:timing>
+</p:sld>
+</file>
+
+<file path=ppt/slides/slide28.xml><?xml version="1.0" encoding="utf-8"?>
+<p:sld xmlns:a="http://schemas.openxmlformats.org/drawingml/2006/main" xmlns:r="http://schemas.openxmlformats.org/officeDocument/2006/relationships" xmlns:p="http://schemas.openxmlformats.org/presentationml/2006/main">
+  <p:cSld>
+    <p:spTree>
+      <p:nvGrpSpPr>
+        <p:cNvPr id="1" name=""/>
+        <p:cNvGrpSpPr/>
+        <p:nvPr/>
+      </p:nvGrpSpPr>
+      <p:grpSpPr>
+        <a:xfrm>
+          <a:off x="0" y="0"/>
+          <a:ext cx="0" cy="0"/>
+          <a:chOff x="0" y="0"/>
+          <a:chExt cx="0" cy="0"/>
+        </a:xfrm>
+      </p:grpSpPr>
+      <p:sp>
+        <p:nvSpPr>
+          <p:cNvPr id="2" name="Title 1"/>
+          <p:cNvSpPr>
+            <a:spLocks noGrp="1"/>
+          </p:cNvSpPr>
+          <p:nvPr>
+            <p:ph type="title"/>
+          </p:nvPr>
+        </p:nvSpPr>
+        <p:spPr>
+          <a:xfrm>
+            <a:off x="1028205" y="499177"/>
+            <a:ext cx="10515600" cy="1325563"/>
+          </a:xfrm>
+        </p:spPr>
+        <p:txBody>
+          <a:bodyPr>
+            <a:normAutofit/>
+          </a:bodyPr>
+          <a:lstStyle/>
+          <a:p>
+            <a:pPr algn="r"/>
+            <a:r>
+              <a:rPr lang="ru-RU" sz="5400" dirty="0" smtClean="0">
+                <a:solidFill>
+                  <a:srgbClr val="00B0F0"/>
+                </a:solidFill>
+                <a:latin typeface="Segoe UI Light" panose="020B0502040204020203" pitchFamily="34" charset="0"/>
+                <a:cs typeface="Segoe UI Light" panose="020B0502040204020203" pitchFamily="34" charset="0"/>
+              </a:rPr>
+              <a:t>Спасибо</a:t>
+            </a:r>
+            <a:endParaRPr lang="ru-RU" sz="5400" dirty="0">
+              <a:solidFill>
+                <a:srgbClr val="00B0F0"/>
+              </a:solidFill>
+              <a:latin typeface="Segoe UI Light" panose="020B0502040204020203" pitchFamily="34" charset="0"/>
+              <a:cs typeface="Segoe UI Light" panose="020B0502040204020203" pitchFamily="34" charset="0"/>
+            </a:endParaRPr>
+          </a:p>
+        </p:txBody>
+      </p:sp>
+      <p:pic>
+        <p:nvPicPr>
+          <p:cNvPr id="6" name="Picture 5"/>
+          <p:cNvPicPr>
+            <a:picLocks noChangeAspect="1"/>
+          </p:cNvPicPr>
+          <p:nvPr/>
+        </p:nvPicPr>
+        <p:blipFill>
+          <a:blip r:embed="rId3"/>
+          <a:stretch>
+            <a:fillRect/>
+          </a:stretch>
+        </p:blipFill>
+        <p:spPr>
+          <a:xfrm>
+            <a:off x="527572" y="676918"/>
+            <a:ext cx="1847139" cy="970080"/>
+          </a:xfrm>
+          <a:prstGeom prst="rect">
+            <a:avLst/>
+          </a:prstGeom>
+        </p:spPr>
+      </p:pic>
+      <p:sp>
+        <p:nvSpPr>
+          <p:cNvPr id="7" name="Subtitle 2"/>
+          <p:cNvSpPr txBox="1">
+            <a:spLocks/>
+          </p:cNvSpPr>
+          <p:nvPr/>
+        </p:nvSpPr>
+        <p:spPr>
+          <a:xfrm>
+            <a:off x="1028205" y="3188664"/>
+            <a:ext cx="10275375" cy="1283861"/>
+          </a:xfrm>
+          <a:prstGeom prst="rect">
+            <a:avLst/>
+          </a:prstGeom>
+        </p:spPr>
+        <p:txBody>
+          <a:bodyPr vert="horz" lIns="91440" tIns="45720" rIns="91440" bIns="45720" rtlCol="0">
+            <a:noAutofit/>
+          </a:bodyPr>
+          <a:lstStyle>
+            <a:lvl1pPr marL="228600" indent="-228600" algn="l" defTabSz="914400" rtl="0" eaLnBrk="1" latinLnBrk="0" hangingPunct="1">
+              <a:lnSpc>
+                <a:spcPct val="90000"/>
+              </a:lnSpc>
+              <a:spcBef>
+                <a:spcPts val="1000"/>
+              </a:spcBef>
+              <a:buFont typeface="Arial" panose="020B0604020202020204" pitchFamily="34" charset="0"/>
+              <a:buChar char="•"/>
+              <a:defRPr sz="2800" kern="1200">
+                <a:solidFill>
+                  <a:schemeClr val="tx1"/>
+                </a:solidFill>
+                <a:latin typeface="+mn-lt"/>
+                <a:ea typeface="+mn-ea"/>
+                <a:cs typeface="+mn-cs"/>
+              </a:defRPr>
+            </a:lvl1pPr>
+            <a:lvl2pPr marL="685800" indent="-228600" algn="l" defTabSz="914400" rtl="0" eaLnBrk="1" latinLnBrk="0" hangingPunct="1">
+              <a:lnSpc>
+                <a:spcPct val="90000"/>
+              </a:lnSpc>
+              <a:spcBef>
+                <a:spcPts val="500"/>
+              </a:spcBef>
+              <a:buFont typeface="Arial" panose="020B0604020202020204" pitchFamily="34" charset="0"/>
+              <a:buChar char="•"/>
+              <a:defRPr sz="2400" kern="1200">
+                <a:solidFill>
+                  <a:schemeClr val="tx1"/>
+                </a:solidFill>
+                <a:latin typeface="+mn-lt"/>
+                <a:ea typeface="+mn-ea"/>
+                <a:cs typeface="+mn-cs"/>
+              </a:defRPr>
+            </a:lvl2pPr>
+            <a:lvl3pPr marL="1143000" indent="-228600" algn="l" defTabSz="914400" rtl="0" eaLnBrk="1" latinLnBrk="0" hangingPunct="1">
+              <a:lnSpc>
+                <a:spcPct val="90000"/>
+              </a:lnSpc>
+              <a:spcBef>
+                <a:spcPts val="500"/>
+              </a:spcBef>
+              <a:buFont typeface="Arial" panose="020B0604020202020204" pitchFamily="34" charset="0"/>
+              <a:buChar char="•"/>
+              <a:defRPr sz="2000" kern="1200">
+                <a:solidFill>
+                  <a:schemeClr val="tx1"/>
+                </a:solidFill>
+                <a:latin typeface="+mn-lt"/>
+                <a:ea typeface="+mn-ea"/>
+                <a:cs typeface="+mn-cs"/>
+              </a:defRPr>
+            </a:lvl3pPr>
+            <a:lvl4pPr marL="1600200" indent="-228600" algn="l" defTabSz="914400" rtl="0" eaLnBrk="1" latinLnBrk="0" hangingPunct="1">
+              <a:lnSpc>
+                <a:spcPct val="90000"/>
+              </a:lnSpc>
+              <a:spcBef>
+                <a:spcPts val="500"/>
+              </a:spcBef>
+              <a:buFont typeface="Arial" panose="020B0604020202020204" pitchFamily="34" charset="0"/>
+              <a:buChar char="•"/>
+              <a:defRPr sz="1800" kern="1200">
+                <a:solidFill>
+                  <a:schemeClr val="tx1"/>
+                </a:solidFill>
+                <a:latin typeface="+mn-lt"/>
+                <a:ea typeface="+mn-ea"/>
+                <a:cs typeface="+mn-cs"/>
+              </a:defRPr>
+            </a:lvl4pPr>
+            <a:lvl5pPr marL="2057400" indent="-228600" algn="l" defTabSz="914400" rtl="0" eaLnBrk="1" latinLnBrk="0" hangingPunct="1">
+              <a:lnSpc>
+                <a:spcPct val="90000"/>
+              </a:lnSpc>
+              <a:spcBef>
+                <a:spcPts val="500"/>
+              </a:spcBef>
+              <a:buFont typeface="Arial" panose="020B0604020202020204" pitchFamily="34" charset="0"/>
+              <a:buChar char="•"/>
+              <a:defRPr sz="1800" kern="1200">
+                <a:solidFill>
+                  <a:schemeClr val="tx1"/>
+                </a:solidFill>
+                <a:latin typeface="+mn-lt"/>
+                <a:ea typeface="+mn-ea"/>
+                <a:cs typeface="+mn-cs"/>
+              </a:defRPr>
+            </a:lvl5pPr>
+            <a:lvl6pPr marL="2514600" indent="-228600" algn="l" defTabSz="914400" rtl="0" eaLnBrk="1" latinLnBrk="0" hangingPunct="1">
+              <a:lnSpc>
+                <a:spcPct val="90000"/>
+              </a:lnSpc>
+              <a:spcBef>
+                <a:spcPts val="500"/>
+              </a:spcBef>
+              <a:buFont typeface="Arial" panose="020B0604020202020204" pitchFamily="34" charset="0"/>
+              <a:buChar char="•"/>
+              <a:defRPr sz="1800" kern="1200">
+                <a:solidFill>
+                  <a:schemeClr val="tx1"/>
+                </a:solidFill>
+                <a:latin typeface="+mn-lt"/>
+                <a:ea typeface="+mn-ea"/>
+                <a:cs typeface="+mn-cs"/>
+              </a:defRPr>
+            </a:lvl6pPr>
+            <a:lvl7pPr marL="2971800" indent="-228600" algn="l" defTabSz="914400" rtl="0" eaLnBrk="1" latinLnBrk="0" hangingPunct="1">
+              <a:lnSpc>
+                <a:spcPct val="90000"/>
+              </a:lnSpc>
+              <a:spcBef>
+                <a:spcPts val="500"/>
+              </a:spcBef>
+              <a:buFont typeface="Arial" panose="020B0604020202020204" pitchFamily="34" charset="0"/>
+              <a:buChar char="•"/>
+              <a:defRPr sz="1800" kern="1200">
+                <a:solidFill>
+                  <a:schemeClr val="tx1"/>
+                </a:solidFill>
+                <a:latin typeface="+mn-lt"/>
+                <a:ea typeface="+mn-ea"/>
+                <a:cs typeface="+mn-cs"/>
+              </a:defRPr>
+            </a:lvl7pPr>
+            <a:lvl8pPr marL="3429000" indent="-228600" algn="l" defTabSz="914400" rtl="0" eaLnBrk="1" latinLnBrk="0" hangingPunct="1">
+              <a:lnSpc>
+                <a:spcPct val="90000"/>
+              </a:lnSpc>
+              <a:spcBef>
+                <a:spcPts val="500"/>
+              </a:spcBef>
+              <a:buFont typeface="Arial" panose="020B0604020202020204" pitchFamily="34" charset="0"/>
+              <a:buChar char="•"/>
+              <a:defRPr sz="1800" kern="1200">
+                <a:solidFill>
+                  <a:schemeClr val="tx1"/>
+                </a:solidFill>
+                <a:latin typeface="+mn-lt"/>
+                <a:ea typeface="+mn-ea"/>
+                <a:cs typeface="+mn-cs"/>
+              </a:defRPr>
+            </a:lvl8pPr>
+            <a:lvl9pPr marL="3886200" indent="-228600" algn="l" defTabSz="914400" rtl="0" eaLnBrk="1" latinLnBrk="0" hangingPunct="1">
+              <a:lnSpc>
+                <a:spcPct val="90000"/>
+              </a:lnSpc>
+              <a:spcBef>
+                <a:spcPts val="500"/>
+              </a:spcBef>
+              <a:buFont typeface="Arial" panose="020B0604020202020204" pitchFamily="34" charset="0"/>
+              <a:buChar char="•"/>
+              <a:defRPr sz="1800" kern="1200">
+                <a:solidFill>
+                  <a:schemeClr val="tx1"/>
+                </a:solidFill>
+                <a:latin typeface="+mn-lt"/>
+                <a:ea typeface="+mn-ea"/>
+                <a:cs typeface="+mn-cs"/>
+              </a:defRPr>
+            </a:lvl9pPr>
+          </a:lstStyle>
+          <a:p>
+            <a:pPr marL="0" indent="0">
+              <a:buNone/>
+            </a:pPr>
+            <a:r>
+              <a:rPr lang="en-US" sz="4000" dirty="0">
+                <a:latin typeface="Segoe UI Light" panose="020B0502040204020203" pitchFamily="34" charset="0"/>
+                <a:cs typeface="Segoe UI Light" panose="020B0502040204020203" pitchFamily="34" charset="0"/>
+              </a:rPr>
+              <a:t>https://</a:t>
+            </a:r>
+            <a:r>
               <a:rPr lang="en-US" sz="4000" dirty="0" smtClean="0">
                 <a:latin typeface="Segoe UI Light" panose="020B0502040204020203" pitchFamily="34" charset="0"/>
                 <a:cs typeface="Segoe UI Light" panose="020B0502040204020203" pitchFamily="34" charset="0"/>
               </a:rPr>
-              <a:t>@</a:t>
-            </a:r>
-            <a:r>
-              <a:rPr lang="en-US" sz="4000" dirty="0" err="1" smtClean="0">
-                <a:latin typeface="Segoe UI Light" panose="020B0502040204020203" pitchFamily="34" charset="0"/>
-                <a:cs typeface="Segoe UI Light" panose="020B0502040204020203" pitchFamily="34" charset="0"/>
-              </a:rPr>
-              <a:t>denisivanov</a:t>
+              <a:t>github.com/denisivan0v/devday-demo</a:t>
             </a:r>
             <a:endParaRPr lang="en-US" sz="4000" dirty="0" smtClean="0">
               <a:latin typeface="Segoe UI Light" panose="020B0502040204020203" pitchFamily="34" charset="0"/>
@@ -10081,7 +10619,7 @@
     </p:spTree>
     <p:extLst>
       <p:ext uri="{BB962C8B-B14F-4D97-AF65-F5344CB8AC3E}">
-        <p14:creationId xmlns:p14="http://schemas.microsoft.com/office/powerpoint/2010/main" val="674515748"/>
+        <p14:creationId xmlns:p14="http://schemas.microsoft.com/office/powerpoint/2010/main" val="807684523"/>
       </p:ext>
     </p:extLst>
   </p:cSld>
